--- a/Presentation1.pptx
+++ b/Presentation1.pptx
@@ -266,6 +266,11 @@
       </a:defRPr>
     </a:lvl9pPr>
   </p:defaultTextStyle>
+  <p:extLst>
+    <p:ext uri="{EFAFB233-063F-42B5-8137-9DF3F51BA10A}">
+      <p15:sldGuideLst xmlns:p15="http://schemas.microsoft.com/office/powerpoint/2012/main"/>
+    </p:ext>
+  </p:extLst>
 </p:presentation>
 </file>
 
@@ -10031,7 +10036,7 @@
                 <a:ea typeface="PMingLiU" panose="02020500000000000000" pitchFamily="18" charset="-120"/>
                 <a:cs typeface="Times New Roman" panose="02020603050405020304" pitchFamily="18" charset="0"/>
               </a:rPr>
-              <a:t>Prima Indian Diabetes Dataset</a:t>
+              <a:t>Pima Indian Diabetes Dataset</a:t>
             </a:r>
             <a:br>
               <a:rPr lang="en-CA" sz="1050" dirty="0">
@@ -11452,7 +11457,21 @@
                 <a:latin typeface="Times New Roman" panose="02020603050405020304" pitchFamily="18" charset="0"/>
                 <a:cs typeface="Times New Roman" panose="02020603050405020304" pitchFamily="18" charset="0"/>
               </a:rPr>
-              <a:t>The dataset is focused on Prima Indian women.</a:t>
+              <a:t>The dataset is focused </a:t>
+            </a:r>
+            <a:r>
+              <a:rPr lang="en-CA">
+                <a:latin typeface="Times New Roman" panose="02020603050405020304" pitchFamily="18" charset="0"/>
+                <a:cs typeface="Times New Roman" panose="02020603050405020304" pitchFamily="18" charset="0"/>
+              </a:rPr>
+              <a:t>on Pima </a:t>
+            </a:r>
+            <a:r>
+              <a:rPr lang="en-CA" dirty="0">
+                <a:latin typeface="Times New Roman" panose="02020603050405020304" pitchFamily="18" charset="0"/>
+                <a:cs typeface="Times New Roman" panose="02020603050405020304" pitchFamily="18" charset="0"/>
+              </a:rPr>
+              <a:t>Indian women.</a:t>
             </a:r>
           </a:p>
           <a:p>
